--- a/HUU_DAI/PPTX/nha-yen.pptx
+++ b/HUU_DAI/PPTX/nha-yen.pptx
@@ -9,9 +9,8 @@
     <p:sldId id="265" r:id="rId3"/>
     <p:sldId id="257" r:id="rId4"/>
     <p:sldId id="258" r:id="rId5"/>
-    <p:sldId id="259" r:id="rId6"/>
-    <p:sldId id="260" r:id="rId7"/>
-    <p:sldId id="261" r:id="rId8"/>
+    <p:sldId id="266" r:id="rId6"/>
+    <p:sldId id="259" r:id="rId7"/>
   </p:sldIdLst>
   <p:sldSz cx="12192000" cy="6858000"/>
   <p:notesSz cx="6858000" cy="9144000"/>
@@ -110,6 +109,11 @@
       </a:defRPr>
     </a:lvl9pPr>
   </p:defaultTextStyle>
+  <p:extLst>
+    <p:ext uri="{EFAFB233-063F-42B5-8137-9DF3F51BA10A}">
+      <p15:sldGuideLst xmlns:p15="http://schemas.microsoft.com/office/powerpoint/2012/main"/>
+    </p:ext>
+  </p:extLst>
 </p:presentation>
 </file>
 
@@ -262,7 +266,7 @@
           <a:p>
             <a:fld id="{27898BAE-A483-4C3A-8C84-5B0A43EFEBFD}" type="datetimeFigureOut">
               <a:rPr lang="vi-VN" smtClean="0"/>
-              <a:t>08/12/2025</a:t>
+              <a:t>21/12/2025</a:t>
             </a:fld>
             <a:endParaRPr lang="vi-VN"/>
           </a:p>
@@ -462,7 +466,7 @@
           <a:p>
             <a:fld id="{27898BAE-A483-4C3A-8C84-5B0A43EFEBFD}" type="datetimeFigureOut">
               <a:rPr lang="vi-VN" smtClean="0"/>
-              <a:t>08/12/2025</a:t>
+              <a:t>21/12/2025</a:t>
             </a:fld>
             <a:endParaRPr lang="vi-VN"/>
           </a:p>
@@ -672,7 +676,7 @@
           <a:p>
             <a:fld id="{27898BAE-A483-4C3A-8C84-5B0A43EFEBFD}" type="datetimeFigureOut">
               <a:rPr lang="vi-VN" smtClean="0"/>
-              <a:t>08/12/2025</a:t>
+              <a:t>21/12/2025</a:t>
             </a:fld>
             <a:endParaRPr lang="vi-VN"/>
           </a:p>
@@ -872,7 +876,7 @@
           <a:p>
             <a:fld id="{27898BAE-A483-4C3A-8C84-5B0A43EFEBFD}" type="datetimeFigureOut">
               <a:rPr lang="vi-VN" smtClean="0"/>
-              <a:t>08/12/2025</a:t>
+              <a:t>21/12/2025</a:t>
             </a:fld>
             <a:endParaRPr lang="vi-VN"/>
           </a:p>
@@ -1148,7 +1152,7 @@
           <a:p>
             <a:fld id="{27898BAE-A483-4C3A-8C84-5B0A43EFEBFD}" type="datetimeFigureOut">
               <a:rPr lang="vi-VN" smtClean="0"/>
-              <a:t>08/12/2025</a:t>
+              <a:t>21/12/2025</a:t>
             </a:fld>
             <a:endParaRPr lang="vi-VN"/>
           </a:p>
@@ -1416,7 +1420,7 @@
           <a:p>
             <a:fld id="{27898BAE-A483-4C3A-8C84-5B0A43EFEBFD}" type="datetimeFigureOut">
               <a:rPr lang="vi-VN" smtClean="0"/>
-              <a:t>08/12/2025</a:t>
+              <a:t>21/12/2025</a:t>
             </a:fld>
             <a:endParaRPr lang="vi-VN"/>
           </a:p>
@@ -1831,7 +1835,7 @@
           <a:p>
             <a:fld id="{27898BAE-A483-4C3A-8C84-5B0A43EFEBFD}" type="datetimeFigureOut">
               <a:rPr lang="vi-VN" smtClean="0"/>
-              <a:t>08/12/2025</a:t>
+              <a:t>21/12/2025</a:t>
             </a:fld>
             <a:endParaRPr lang="vi-VN"/>
           </a:p>
@@ -1973,7 +1977,7 @@
           <a:p>
             <a:fld id="{27898BAE-A483-4C3A-8C84-5B0A43EFEBFD}" type="datetimeFigureOut">
               <a:rPr lang="vi-VN" smtClean="0"/>
-              <a:t>08/12/2025</a:t>
+              <a:t>21/12/2025</a:t>
             </a:fld>
             <a:endParaRPr lang="vi-VN"/>
           </a:p>
@@ -2086,7 +2090,7 @@
           <a:p>
             <a:fld id="{27898BAE-A483-4C3A-8C84-5B0A43EFEBFD}" type="datetimeFigureOut">
               <a:rPr lang="vi-VN" smtClean="0"/>
-              <a:t>08/12/2025</a:t>
+              <a:t>21/12/2025</a:t>
             </a:fld>
             <a:endParaRPr lang="vi-VN"/>
           </a:p>
@@ -2399,7 +2403,7 @@
           <a:p>
             <a:fld id="{27898BAE-A483-4C3A-8C84-5B0A43EFEBFD}" type="datetimeFigureOut">
               <a:rPr lang="vi-VN" smtClean="0"/>
-              <a:t>08/12/2025</a:t>
+              <a:t>21/12/2025</a:t>
             </a:fld>
             <a:endParaRPr lang="vi-VN"/>
           </a:p>
@@ -2688,7 +2692,7 @@
           <a:p>
             <a:fld id="{27898BAE-A483-4C3A-8C84-5B0A43EFEBFD}" type="datetimeFigureOut">
               <a:rPr lang="vi-VN" smtClean="0"/>
-              <a:t>08/12/2025</a:t>
+              <a:t>21/12/2025</a:t>
             </a:fld>
             <a:endParaRPr lang="vi-VN"/>
           </a:p>
@@ -2931,7 +2935,7 @@
           <a:p>
             <a:fld id="{27898BAE-A483-4C3A-8C84-5B0A43EFEBFD}" type="datetimeFigureOut">
               <a:rPr lang="vi-VN" smtClean="0"/>
-              <a:t>08/12/2025</a:t>
+              <a:t>21/12/2025</a:t>
             </a:fld>
             <a:endParaRPr lang="vi-VN"/>
           </a:p>
@@ -3348,12 +3352,47 @@
           <a:chExt cx="0" cy="0"/>
         </a:xfrm>
       </p:grpSpPr>
+      <p:sp>
+        <p:nvSpPr>
+          <p:cNvPr id="6" name="TextBox 5">
+            <a:extLst>
+              <a:ext uri="{FF2B5EF4-FFF2-40B4-BE49-F238E27FC236}">
+                <a16:creationId xmlns:a16="http://schemas.microsoft.com/office/drawing/2014/main" id="{E6E86773-99A6-B32D-C814-2D10DED1BFF0}"/>
+              </a:ext>
+            </a:extLst>
+          </p:cNvPr>
+          <p:cNvSpPr txBox="1"/>
+          <p:nvPr/>
+        </p:nvSpPr>
+        <p:spPr>
+          <a:xfrm>
+            <a:off x="347241" y="312516"/>
+            <a:ext cx="4185761" cy="369332"/>
+          </a:xfrm>
+          <a:prstGeom prst="rect">
+            <a:avLst/>
+          </a:prstGeom>
+          <a:noFill/>
+        </p:spPr>
+        <p:txBody>
+          <a:bodyPr wrap="none" rtlCol="0">
+            <a:spAutoFit/>
+          </a:bodyPr>
+          <a:lstStyle/>
+          <a:p>
+            <a:r>
+              <a:rPr lang="vi-VN" dirty="0"/>
+              <a:t>1. Giao diện chính của bảng điều khiển</a:t>
+            </a:r>
+          </a:p>
+        </p:txBody>
+      </p:sp>
       <p:pic>
         <p:nvPicPr>
-          <p:cNvPr id="5" name="Picture 4" descr="A screenshot of a computer&#10;&#10;AI-generated content may be incorrect.">
-            <a:extLst>
-              <a:ext uri="{FF2B5EF4-FFF2-40B4-BE49-F238E27FC236}">
-                <a16:creationId xmlns:a16="http://schemas.microsoft.com/office/drawing/2014/main" id="{F98CE521-EB96-F491-9C31-488AB50AC502}"/>
+          <p:cNvPr id="5" name="Picture 4">
+            <a:extLst>
+              <a:ext uri="{FF2B5EF4-FFF2-40B4-BE49-F238E27FC236}">
+                <a16:creationId xmlns:a16="http://schemas.microsoft.com/office/drawing/2014/main" id="{8719AF37-CE35-F759-B2E5-1BEE0D659387}"/>
               </a:ext>
             </a:extLst>
           </p:cNvPr>
@@ -3370,49 +3409,14 @@
         </p:blipFill>
         <p:spPr>
           <a:xfrm>
-            <a:off x="0" y="949125"/>
-            <a:ext cx="12192000" cy="5908876"/>
+            <a:off x="711653" y="0"/>
+            <a:ext cx="10768693" cy="6858000"/>
           </a:xfrm>
           <a:prstGeom prst="rect">
             <a:avLst/>
           </a:prstGeom>
         </p:spPr>
       </p:pic>
-      <p:sp>
-        <p:nvSpPr>
-          <p:cNvPr id="6" name="TextBox 5">
-            <a:extLst>
-              <a:ext uri="{FF2B5EF4-FFF2-40B4-BE49-F238E27FC236}">
-                <a16:creationId xmlns:a16="http://schemas.microsoft.com/office/drawing/2014/main" id="{E6E86773-99A6-B32D-C814-2D10DED1BFF0}"/>
-              </a:ext>
-            </a:extLst>
-          </p:cNvPr>
-          <p:cNvSpPr txBox="1"/>
-          <p:nvPr/>
-        </p:nvSpPr>
-        <p:spPr>
-          <a:xfrm>
-            <a:off x="347241" y="312516"/>
-            <a:ext cx="4185761" cy="369332"/>
-          </a:xfrm>
-          <a:prstGeom prst="rect">
-            <a:avLst/>
-          </a:prstGeom>
-          <a:noFill/>
-        </p:spPr>
-        <p:txBody>
-          <a:bodyPr wrap="none" rtlCol="0">
-            <a:spAutoFit/>
-          </a:bodyPr>
-          <a:lstStyle/>
-          <a:p>
-            <a:r>
-              <a:rPr lang="vi-VN" dirty="0"/>
-              <a:t>1. Giao diện chính của bảng điều khiển</a:t>
-            </a:r>
-          </a:p>
-        </p:txBody>
-      </p:sp>
     </p:spTree>
     <p:extLst>
       <p:ext uri="{BB962C8B-B14F-4D97-AF65-F5344CB8AC3E}">
@@ -3449,12 +3453,47 @@
           <a:chExt cx="0" cy="0"/>
         </a:xfrm>
       </p:grpSpPr>
+      <p:sp>
+        <p:nvSpPr>
+          <p:cNvPr id="6" name="TextBox 5">
+            <a:extLst>
+              <a:ext uri="{FF2B5EF4-FFF2-40B4-BE49-F238E27FC236}">
+                <a16:creationId xmlns:a16="http://schemas.microsoft.com/office/drawing/2014/main" id="{8818DC53-DD96-2E03-F06C-C4D40915303F}"/>
+              </a:ext>
+            </a:extLst>
+          </p:cNvPr>
+          <p:cNvSpPr txBox="1"/>
+          <p:nvPr/>
+        </p:nvSpPr>
+        <p:spPr>
+          <a:xfrm>
+            <a:off x="173621" y="249384"/>
+            <a:ext cx="6111432" cy="369332"/>
+          </a:xfrm>
+          <a:prstGeom prst="rect">
+            <a:avLst/>
+          </a:prstGeom>
+          <a:noFill/>
+        </p:spPr>
+        <p:txBody>
+          <a:bodyPr wrap="square">
+            <a:spAutoFit/>
+          </a:bodyPr>
+          <a:lstStyle/>
+          <a:p>
+            <a:r>
+              <a:rPr lang="vi-VN" dirty="0"/>
+              <a:t>2. Các tính năng khác trong bảng điều khiển</a:t>
+            </a:r>
+          </a:p>
+        </p:txBody>
+      </p:sp>
       <p:pic>
         <p:nvPicPr>
-          <p:cNvPr id="3" name="Picture 2" descr="A screenshot of a computer&#10;&#10;AI-generated content may be incorrect.">
-            <a:extLst>
-              <a:ext uri="{FF2B5EF4-FFF2-40B4-BE49-F238E27FC236}">
-                <a16:creationId xmlns:a16="http://schemas.microsoft.com/office/drawing/2014/main" id="{A16826FD-5245-2CBA-2AF9-FDF80C87C763}"/>
+          <p:cNvPr id="3" name="Picture 2">
+            <a:extLst>
+              <a:ext uri="{FF2B5EF4-FFF2-40B4-BE49-F238E27FC236}">
+                <a16:creationId xmlns:a16="http://schemas.microsoft.com/office/drawing/2014/main" id="{8F62E072-F06C-B902-6AD6-A6523188A76B}"/>
               </a:ext>
             </a:extLst>
           </p:cNvPr>
@@ -3471,49 +3510,14 @@
         </p:blipFill>
         <p:spPr>
           <a:xfrm>
-            <a:off x="0" y="1088021"/>
-            <a:ext cx="12226763" cy="5769980"/>
+            <a:off x="752104" y="0"/>
+            <a:ext cx="10687792" cy="6858000"/>
           </a:xfrm>
           <a:prstGeom prst="rect">
             <a:avLst/>
           </a:prstGeom>
         </p:spPr>
       </p:pic>
-      <p:sp>
-        <p:nvSpPr>
-          <p:cNvPr id="6" name="TextBox 5">
-            <a:extLst>
-              <a:ext uri="{FF2B5EF4-FFF2-40B4-BE49-F238E27FC236}">
-                <a16:creationId xmlns:a16="http://schemas.microsoft.com/office/drawing/2014/main" id="{8818DC53-DD96-2E03-F06C-C4D40915303F}"/>
-              </a:ext>
-            </a:extLst>
-          </p:cNvPr>
-          <p:cNvSpPr txBox="1"/>
-          <p:nvPr/>
-        </p:nvSpPr>
-        <p:spPr>
-          <a:xfrm>
-            <a:off x="173621" y="249384"/>
-            <a:ext cx="6111432" cy="369332"/>
-          </a:xfrm>
-          <a:prstGeom prst="rect">
-            <a:avLst/>
-          </a:prstGeom>
-          <a:noFill/>
-        </p:spPr>
-        <p:txBody>
-          <a:bodyPr wrap="square">
-            <a:spAutoFit/>
-          </a:bodyPr>
-          <a:lstStyle/>
-          <a:p>
-            <a:r>
-              <a:rPr lang="vi-VN" dirty="0"/>
-              <a:t>2. Các tính năng khác trong bảng điều khiển</a:t>
-            </a:r>
-          </a:p>
-        </p:txBody>
-      </p:sp>
     </p:spTree>
     <p:extLst>
       <p:ext uri="{BB962C8B-B14F-4D97-AF65-F5344CB8AC3E}">
@@ -3550,12 +3554,47 @@
           <a:chExt cx="0" cy="0"/>
         </a:xfrm>
       </p:grpSpPr>
+      <p:sp>
+        <p:nvSpPr>
+          <p:cNvPr id="6" name="TextBox 5">
+            <a:extLst>
+              <a:ext uri="{FF2B5EF4-FFF2-40B4-BE49-F238E27FC236}">
+                <a16:creationId xmlns:a16="http://schemas.microsoft.com/office/drawing/2014/main" id="{003F0CAE-3BAD-646B-DBDC-B04EFD567271}"/>
+              </a:ext>
+            </a:extLst>
+          </p:cNvPr>
+          <p:cNvSpPr txBox="1"/>
+          <p:nvPr/>
+        </p:nvSpPr>
+        <p:spPr>
+          <a:xfrm>
+            <a:off x="83916" y="57873"/>
+            <a:ext cx="6094070" cy="369332"/>
+          </a:xfrm>
+          <a:prstGeom prst="rect">
+            <a:avLst/>
+          </a:prstGeom>
+          <a:noFill/>
+        </p:spPr>
+        <p:txBody>
+          <a:bodyPr wrap="square">
+            <a:spAutoFit/>
+          </a:bodyPr>
+          <a:lstStyle/>
+          <a:p>
+            <a:r>
+              <a:rPr lang="vi-VN" dirty="0"/>
+              <a:t>3. Thời tiết</a:t>
+            </a:r>
+          </a:p>
+        </p:txBody>
+      </p:sp>
       <p:pic>
         <p:nvPicPr>
-          <p:cNvPr id="3" name="Picture 2" descr="A screenshot of a phone&#10;&#10;AI-generated content may be incorrect.">
-            <a:extLst>
-              <a:ext uri="{FF2B5EF4-FFF2-40B4-BE49-F238E27FC236}">
-                <a16:creationId xmlns:a16="http://schemas.microsoft.com/office/drawing/2014/main" id="{CA84F6F0-521D-E8A1-33B9-E0B4657EBD47}"/>
+          <p:cNvPr id="3" name="Picture 2">
+            <a:extLst>
+              <a:ext uri="{FF2B5EF4-FFF2-40B4-BE49-F238E27FC236}">
+                <a16:creationId xmlns:a16="http://schemas.microsoft.com/office/drawing/2014/main" id="{D7C7AD04-3A28-D10A-6134-84A18E808744}"/>
               </a:ext>
             </a:extLst>
           </p:cNvPr>
@@ -3572,49 +3611,14 @@
         </p:blipFill>
         <p:spPr>
           <a:xfrm>
-            <a:off x="5023413" y="-81024"/>
-            <a:ext cx="7168587" cy="6939023"/>
+            <a:off x="3404812" y="794970"/>
+            <a:ext cx="5382376" cy="5268060"/>
           </a:xfrm>
           <a:prstGeom prst="rect">
             <a:avLst/>
           </a:prstGeom>
         </p:spPr>
       </p:pic>
-      <p:sp>
-        <p:nvSpPr>
-          <p:cNvPr id="6" name="TextBox 5">
-            <a:extLst>
-              <a:ext uri="{FF2B5EF4-FFF2-40B4-BE49-F238E27FC236}">
-                <a16:creationId xmlns:a16="http://schemas.microsoft.com/office/drawing/2014/main" id="{003F0CAE-3BAD-646B-DBDC-B04EFD567271}"/>
-              </a:ext>
-            </a:extLst>
-          </p:cNvPr>
-          <p:cNvSpPr txBox="1"/>
-          <p:nvPr/>
-        </p:nvSpPr>
-        <p:spPr>
-          <a:xfrm>
-            <a:off x="83916" y="57873"/>
-            <a:ext cx="6094070" cy="369332"/>
-          </a:xfrm>
-          <a:prstGeom prst="rect">
-            <a:avLst/>
-          </a:prstGeom>
-          <a:noFill/>
-        </p:spPr>
-        <p:txBody>
-          <a:bodyPr wrap="square">
-            <a:spAutoFit/>
-          </a:bodyPr>
-          <a:lstStyle/>
-          <a:p>
-            <a:r>
-              <a:rPr lang="vi-VN" dirty="0"/>
-              <a:t>3. Thời tiết</a:t>
-            </a:r>
-          </a:p>
-        </p:txBody>
-      </p:sp>
     </p:spTree>
     <p:extLst>
       <p:ext uri="{BB962C8B-B14F-4D97-AF65-F5344CB8AC3E}">
@@ -3651,12 +3655,47 @@
           <a:chExt cx="0" cy="0"/>
         </a:xfrm>
       </p:grpSpPr>
+      <p:sp>
+        <p:nvSpPr>
+          <p:cNvPr id="8" name="TextBox 7">
+            <a:extLst>
+              <a:ext uri="{FF2B5EF4-FFF2-40B4-BE49-F238E27FC236}">
+                <a16:creationId xmlns:a16="http://schemas.microsoft.com/office/drawing/2014/main" id="{3063A3B5-CC6F-E440-13B0-2D19892B0940}"/>
+              </a:ext>
+            </a:extLst>
+          </p:cNvPr>
+          <p:cNvSpPr txBox="1"/>
+          <p:nvPr/>
+        </p:nvSpPr>
+        <p:spPr>
+          <a:xfrm>
+            <a:off x="1930" y="300942"/>
+            <a:ext cx="6094070" cy="369332"/>
+          </a:xfrm>
+          <a:prstGeom prst="rect">
+            <a:avLst/>
+          </a:prstGeom>
+          <a:noFill/>
+        </p:spPr>
+        <p:txBody>
+          <a:bodyPr wrap="square">
+            <a:spAutoFit/>
+          </a:bodyPr>
+          <a:lstStyle/>
+          <a:p>
+            <a:r>
+              <a:rPr lang="vi-VN" dirty="0"/>
+              <a:t>4. Báo cáo điện năng</a:t>
+            </a:r>
+          </a:p>
+        </p:txBody>
+      </p:sp>
       <p:pic>
         <p:nvPicPr>
-          <p:cNvPr id="3" name="Picture 2" descr="A screenshot of a computer&#10;&#10;AI-generated content may be incorrect.">
-            <a:extLst>
-              <a:ext uri="{FF2B5EF4-FFF2-40B4-BE49-F238E27FC236}">
-                <a16:creationId xmlns:a16="http://schemas.microsoft.com/office/drawing/2014/main" id="{E297B7B7-2A3A-1C17-687C-B75F68C52B5D}"/>
+          <p:cNvPr id="7" name="Picture 6">
+            <a:extLst>
+              <a:ext uri="{FF2B5EF4-FFF2-40B4-BE49-F238E27FC236}">
+                <a16:creationId xmlns:a16="http://schemas.microsoft.com/office/drawing/2014/main" id="{2D96D7A2-A176-6C36-A3C9-263FAA144235}"/>
               </a:ext>
             </a:extLst>
           </p:cNvPr>
@@ -3673,79 +3712,14 @@
         </p:blipFill>
         <p:spPr>
           <a:xfrm>
-            <a:off x="0" y="1146809"/>
-            <a:ext cx="5704288" cy="5711191"/>
+            <a:off x="3385759" y="564997"/>
+            <a:ext cx="5420481" cy="5992061"/>
           </a:xfrm>
           <a:prstGeom prst="rect">
             <a:avLst/>
           </a:prstGeom>
         </p:spPr>
       </p:pic>
-      <p:pic>
-        <p:nvPicPr>
-          <p:cNvPr id="6" name="Picture 5" descr="A screenshot of a phone&#10;&#10;AI-generated content may be incorrect.">
-            <a:extLst>
-              <a:ext uri="{FF2B5EF4-FFF2-40B4-BE49-F238E27FC236}">
-                <a16:creationId xmlns:a16="http://schemas.microsoft.com/office/drawing/2014/main" id="{BAD2F9D9-A02B-6033-C681-701A251C8C09}"/>
-              </a:ext>
-            </a:extLst>
-          </p:cNvPr>
-          <p:cNvPicPr>
-            <a:picLocks noChangeAspect="1"/>
-          </p:cNvPicPr>
-          <p:nvPr/>
-        </p:nvPicPr>
-        <p:blipFill>
-          <a:blip r:embed="rId3"/>
-          <a:stretch>
-            <a:fillRect/>
-          </a:stretch>
-        </p:blipFill>
-        <p:spPr>
-          <a:xfrm>
-            <a:off x="5704288" y="1146809"/>
-            <a:ext cx="6487712" cy="5711190"/>
-          </a:xfrm>
-          <a:prstGeom prst="rect">
-            <a:avLst/>
-          </a:prstGeom>
-        </p:spPr>
-      </p:pic>
-      <p:sp>
-        <p:nvSpPr>
-          <p:cNvPr id="8" name="TextBox 7">
-            <a:extLst>
-              <a:ext uri="{FF2B5EF4-FFF2-40B4-BE49-F238E27FC236}">
-                <a16:creationId xmlns:a16="http://schemas.microsoft.com/office/drawing/2014/main" id="{3063A3B5-CC6F-E440-13B0-2D19892B0940}"/>
-              </a:ext>
-            </a:extLst>
-          </p:cNvPr>
-          <p:cNvSpPr txBox="1"/>
-          <p:nvPr/>
-        </p:nvSpPr>
-        <p:spPr>
-          <a:xfrm>
-            <a:off x="1930" y="300942"/>
-            <a:ext cx="6094070" cy="369332"/>
-          </a:xfrm>
-          <a:prstGeom prst="rect">
-            <a:avLst/>
-          </a:prstGeom>
-          <a:noFill/>
-        </p:spPr>
-        <p:txBody>
-          <a:bodyPr wrap="square">
-            <a:spAutoFit/>
-          </a:bodyPr>
-          <a:lstStyle/>
-          <a:p>
-            <a:r>
-              <a:rPr lang="vi-VN" dirty="0"/>
-              <a:t>4. Báo cáo điện năng</a:t>
-            </a:r>
-          </a:p>
-        </p:txBody>
-      </p:sp>
     </p:spTree>
     <p:extLst>
       <p:ext uri="{BB962C8B-B14F-4D97-AF65-F5344CB8AC3E}">
@@ -3760,6 +3734,66 @@
 </file>
 
 <file path=ppt/slides/slide5.xml><?xml version="1.0" encoding="utf-8"?>
+<p:sld xmlns:a="http://schemas.openxmlformats.org/drawingml/2006/main" xmlns:r="http://schemas.openxmlformats.org/officeDocument/2006/relationships" xmlns:p="http://schemas.openxmlformats.org/presentationml/2006/main">
+  <p:cSld>
+    <p:spTree>
+      <p:nvGrpSpPr>
+        <p:cNvPr id="1" name=""/>
+        <p:cNvGrpSpPr/>
+        <p:nvPr/>
+      </p:nvGrpSpPr>
+      <p:grpSpPr>
+        <a:xfrm>
+          <a:off x="0" y="0"/>
+          <a:ext cx="0" cy="0"/>
+          <a:chOff x="0" y="0"/>
+          <a:chExt cx="0" cy="0"/>
+        </a:xfrm>
+      </p:grpSpPr>
+      <p:pic>
+        <p:nvPicPr>
+          <p:cNvPr id="5" name="Picture 4">
+            <a:extLst>
+              <a:ext uri="{FF2B5EF4-FFF2-40B4-BE49-F238E27FC236}">
+                <a16:creationId xmlns:a16="http://schemas.microsoft.com/office/drawing/2014/main" id="{096F90EE-5D5E-1E2C-C7B8-E0366FF2F030}"/>
+              </a:ext>
+            </a:extLst>
+          </p:cNvPr>
+          <p:cNvPicPr>
+            <a:picLocks noChangeAspect="1"/>
+          </p:cNvPicPr>
+          <p:nvPr/>
+        </p:nvPicPr>
+        <p:blipFill>
+          <a:blip r:embed="rId2"/>
+          <a:stretch>
+            <a:fillRect/>
+          </a:stretch>
+        </p:blipFill>
+        <p:spPr>
+          <a:xfrm>
+            <a:off x="3400049" y="466311"/>
+            <a:ext cx="5391902" cy="5925377"/>
+          </a:xfrm>
+          <a:prstGeom prst="rect">
+            <a:avLst/>
+          </a:prstGeom>
+        </p:spPr>
+      </p:pic>
+    </p:spTree>
+    <p:extLst>
+      <p:ext uri="{BB962C8B-B14F-4D97-AF65-F5344CB8AC3E}">
+        <p14:creationId xmlns:p14="http://schemas.microsoft.com/office/powerpoint/2010/main" val="1655035372"/>
+      </p:ext>
+    </p:extLst>
+  </p:cSld>
+  <p:clrMapOvr>
+    <a:masterClrMapping/>
+  </p:clrMapOvr>
+</p:sld>
+</file>
+
+<file path=ppt/slides/slide6.xml><?xml version="1.0" encoding="utf-8"?>
 <p:sld xmlns:a="http://schemas.openxmlformats.org/drawingml/2006/main" xmlns:r="http://schemas.openxmlformats.org/officeDocument/2006/relationships" xmlns:p="http://schemas.openxmlformats.org/presentationml/2006/main">
   <p:cSld>
     <p:spTree>
@@ -3782,12 +3816,55 @@
           <a:chExt cx="0" cy="0"/>
         </a:xfrm>
       </p:grpSpPr>
+      <p:sp>
+        <p:nvSpPr>
+          <p:cNvPr id="8" name="TextBox 7">
+            <a:extLst>
+              <a:ext uri="{FF2B5EF4-FFF2-40B4-BE49-F238E27FC236}">
+                <a16:creationId xmlns:a16="http://schemas.microsoft.com/office/drawing/2014/main" id="{850DAFA3-1318-314E-41DD-2D47CB74A2D1}"/>
+              </a:ext>
+            </a:extLst>
+          </p:cNvPr>
+          <p:cNvSpPr txBox="1"/>
+          <p:nvPr/>
+        </p:nvSpPr>
+        <p:spPr>
+          <a:xfrm>
+            <a:off x="1930" y="341981"/>
+            <a:ext cx="6094070" cy="369332"/>
+          </a:xfrm>
+          <a:prstGeom prst="rect">
+            <a:avLst/>
+          </a:prstGeom>
+          <a:noFill/>
+        </p:spPr>
+        <p:txBody>
+          <a:bodyPr wrap="square">
+            <a:spAutoFit/>
+          </a:bodyPr>
+          <a:lstStyle/>
+          <a:p>
+            <a:r>
+              <a:rPr lang="vi-VN" dirty="0"/>
+              <a:t>5. </a:t>
+            </a:r>
+            <a:r>
+              <a:rPr lang="vi-VN" dirty="0" err="1"/>
+              <a:t>Camera</a:t>
+            </a:r>
+            <a:r>
+              <a:rPr lang="vi-VN" dirty="0"/>
+              <a:t> giám sát </a:t>
+            </a:r>
+          </a:p>
+        </p:txBody>
+      </p:sp>
       <p:pic>
         <p:nvPicPr>
-          <p:cNvPr id="3" name="Picture 2" descr="A screenshot of a video chat&#10;&#10;AI-generated content may be incorrect.">
-            <a:extLst>
-              <a:ext uri="{FF2B5EF4-FFF2-40B4-BE49-F238E27FC236}">
-                <a16:creationId xmlns:a16="http://schemas.microsoft.com/office/drawing/2014/main" id="{8730E898-89F3-6E75-7E5A-F68EEDA79DE3}"/>
+          <p:cNvPr id="3" name="Picture 2">
+            <a:extLst>
+              <a:ext uri="{FF2B5EF4-FFF2-40B4-BE49-F238E27FC236}">
+                <a16:creationId xmlns:a16="http://schemas.microsoft.com/office/drawing/2014/main" id="{D852B04A-0285-D6D4-48D6-C1A8CA30C03D}"/>
               </a:ext>
             </a:extLst>
           </p:cNvPr>
@@ -3804,8 +3881,8 @@
         </p:blipFill>
         <p:spPr>
           <a:xfrm>
-            <a:off x="1" y="1250066"/>
-            <a:ext cx="6331352" cy="5607933"/>
+            <a:off x="6593502" y="1970542"/>
+            <a:ext cx="5516724" cy="3457930"/>
           </a:xfrm>
           <a:prstGeom prst="rect">
             <a:avLst/>
@@ -3814,10 +3891,10 @@
       </p:pic>
       <p:pic>
         <p:nvPicPr>
-          <p:cNvPr id="6" name="Picture 5" descr="A screenshot of a chat&#10;&#10;AI-generated content may be incorrect.">
-            <a:extLst>
-              <a:ext uri="{FF2B5EF4-FFF2-40B4-BE49-F238E27FC236}">
-                <a16:creationId xmlns:a16="http://schemas.microsoft.com/office/drawing/2014/main" id="{3E4E1070-F7BA-375B-8241-EAB656A26309}"/>
+          <p:cNvPr id="9" name="Picture 8">
+            <a:extLst>
+              <a:ext uri="{FF2B5EF4-FFF2-40B4-BE49-F238E27FC236}">
+                <a16:creationId xmlns:a16="http://schemas.microsoft.com/office/drawing/2014/main" id="{37D46027-45E9-10DF-E215-7C8BFF560040}"/>
               </a:ext>
             </a:extLst>
           </p:cNvPr>
@@ -3834,258 +3911,18 @@
         </p:blipFill>
         <p:spPr>
           <a:xfrm>
-            <a:off x="6331351" y="1250067"/>
-            <a:ext cx="5860648" cy="5607932"/>
+            <a:off x="-18345" y="1070517"/>
+            <a:ext cx="5922096" cy="3389971"/>
           </a:xfrm>
           <a:prstGeom prst="rect">
             <a:avLst/>
           </a:prstGeom>
         </p:spPr>
       </p:pic>
-      <p:sp>
-        <p:nvSpPr>
-          <p:cNvPr id="8" name="TextBox 7">
-            <a:extLst>
-              <a:ext uri="{FF2B5EF4-FFF2-40B4-BE49-F238E27FC236}">
-                <a16:creationId xmlns:a16="http://schemas.microsoft.com/office/drawing/2014/main" id="{850DAFA3-1318-314E-41DD-2D47CB74A2D1}"/>
-              </a:ext>
-            </a:extLst>
-          </p:cNvPr>
-          <p:cNvSpPr txBox="1"/>
-          <p:nvPr/>
-        </p:nvSpPr>
-        <p:spPr>
-          <a:xfrm>
-            <a:off x="1930" y="341981"/>
-            <a:ext cx="6094070" cy="369332"/>
-          </a:xfrm>
-          <a:prstGeom prst="rect">
-            <a:avLst/>
-          </a:prstGeom>
-          <a:noFill/>
-        </p:spPr>
-        <p:txBody>
-          <a:bodyPr wrap="square">
-            <a:spAutoFit/>
-          </a:bodyPr>
-          <a:lstStyle/>
-          <a:p>
-            <a:r>
-              <a:rPr lang="vi-VN" dirty="0"/>
-              <a:t>5. </a:t>
-            </a:r>
-            <a:r>
-              <a:rPr lang="vi-VN" dirty="0" err="1"/>
-              <a:t>Camera</a:t>
-            </a:r>
-            <a:r>
-              <a:rPr lang="vi-VN" dirty="0"/>
-              <a:t> giám sát </a:t>
-            </a:r>
-          </a:p>
-        </p:txBody>
-      </p:sp>
     </p:spTree>
     <p:extLst>
       <p:ext uri="{BB962C8B-B14F-4D97-AF65-F5344CB8AC3E}">
         <p14:creationId xmlns:p14="http://schemas.microsoft.com/office/powerpoint/2010/main" val="1422477491"/>
-      </p:ext>
-    </p:extLst>
-  </p:cSld>
-  <p:clrMapOvr>
-    <a:masterClrMapping/>
-  </p:clrMapOvr>
-</p:sld>
-</file>
-
-<file path=ppt/slides/slide6.xml><?xml version="1.0" encoding="utf-8"?>
-<p:sld xmlns:a="http://schemas.openxmlformats.org/drawingml/2006/main" xmlns:r="http://schemas.openxmlformats.org/officeDocument/2006/relationships" xmlns:p="http://schemas.openxmlformats.org/presentationml/2006/main">
-  <p:cSld>
-    <p:spTree>
-      <p:nvGrpSpPr>
-        <p:cNvPr id="1" name="">
-          <a:extLst>
-            <a:ext uri="{FF2B5EF4-FFF2-40B4-BE49-F238E27FC236}">
-              <a16:creationId xmlns:a16="http://schemas.microsoft.com/office/drawing/2014/main" id="{A07BD3A3-9938-A720-18CA-12BD06B8C720}"/>
-            </a:ext>
-          </a:extLst>
-        </p:cNvPr>
-        <p:cNvGrpSpPr/>
-        <p:nvPr/>
-      </p:nvGrpSpPr>
-      <p:grpSpPr>
-        <a:xfrm>
-          <a:off x="0" y="0"/>
-          <a:ext cx="0" cy="0"/>
-          <a:chOff x="0" y="0"/>
-          <a:chExt cx="0" cy="0"/>
-        </a:xfrm>
-      </p:grpSpPr>
-      <p:pic>
-        <p:nvPicPr>
-          <p:cNvPr id="4" name="Picture 3" descr="A colorful table with numbers and text&#10;&#10;AI-generated content may be incorrect.">
-            <a:extLst>
-              <a:ext uri="{FF2B5EF4-FFF2-40B4-BE49-F238E27FC236}">
-                <a16:creationId xmlns:a16="http://schemas.microsoft.com/office/drawing/2014/main" id="{705ED4FA-7665-1582-1A34-0997ADA1DE67}"/>
-              </a:ext>
-            </a:extLst>
-          </p:cNvPr>
-          <p:cNvPicPr>
-            <a:picLocks noChangeAspect="1"/>
-          </p:cNvPicPr>
-          <p:nvPr/>
-        </p:nvPicPr>
-        <p:blipFill>
-          <a:blip r:embed="rId2"/>
-          <a:stretch>
-            <a:fillRect/>
-          </a:stretch>
-        </p:blipFill>
-        <p:spPr>
-          <a:xfrm>
-            <a:off x="2884292" y="448634"/>
-            <a:ext cx="6259707" cy="3295593"/>
-          </a:xfrm>
-          <a:prstGeom prst="rect">
-            <a:avLst/>
-          </a:prstGeom>
-        </p:spPr>
-      </p:pic>
-      <p:pic>
-        <p:nvPicPr>
-          <p:cNvPr id="7" name="Picture 6" descr="A white and blue table with black text&#10;&#10;AI-generated content may be incorrect.">
-            <a:extLst>
-              <a:ext uri="{FF2B5EF4-FFF2-40B4-BE49-F238E27FC236}">
-                <a16:creationId xmlns:a16="http://schemas.microsoft.com/office/drawing/2014/main" id="{7EFD4698-9DCA-45D1-DFD9-DBA98357CEDA}"/>
-              </a:ext>
-            </a:extLst>
-          </p:cNvPr>
-          <p:cNvPicPr>
-            <a:picLocks noChangeAspect="1"/>
-          </p:cNvPicPr>
-          <p:nvPr/>
-        </p:nvPicPr>
-        <p:blipFill>
-          <a:blip r:embed="rId3"/>
-          <a:stretch>
-            <a:fillRect/>
-          </a:stretch>
-        </p:blipFill>
-        <p:spPr>
-          <a:xfrm>
-            <a:off x="-2" y="3744227"/>
-            <a:ext cx="6096001" cy="3113773"/>
-          </a:xfrm>
-          <a:prstGeom prst="rect">
-            <a:avLst/>
-          </a:prstGeom>
-        </p:spPr>
-      </p:pic>
-      <p:pic>
-        <p:nvPicPr>
-          <p:cNvPr id="9" name="Picture 8" descr="A green and white table with white text&#10;&#10;AI-generated content may be incorrect.">
-            <a:extLst>
-              <a:ext uri="{FF2B5EF4-FFF2-40B4-BE49-F238E27FC236}">
-                <a16:creationId xmlns:a16="http://schemas.microsoft.com/office/drawing/2014/main" id="{A688B4D6-5E2E-2CEB-CA0C-A48509552396}"/>
-              </a:ext>
-            </a:extLst>
-          </p:cNvPr>
-          <p:cNvPicPr>
-            <a:picLocks noChangeAspect="1"/>
-          </p:cNvPicPr>
-          <p:nvPr/>
-        </p:nvPicPr>
-        <p:blipFill>
-          <a:blip r:embed="rId4"/>
-          <a:stretch>
-            <a:fillRect/>
-          </a:stretch>
-        </p:blipFill>
-        <p:spPr>
-          <a:xfrm>
-            <a:off x="6095999" y="3744227"/>
-            <a:ext cx="6096001" cy="3113773"/>
-          </a:xfrm>
-          <a:prstGeom prst="rect">
-            <a:avLst/>
-          </a:prstGeom>
-        </p:spPr>
-      </p:pic>
-      <p:sp>
-        <p:nvSpPr>
-          <p:cNvPr id="11" name="TextBox 10">
-            <a:extLst>
-              <a:ext uri="{FF2B5EF4-FFF2-40B4-BE49-F238E27FC236}">
-                <a16:creationId xmlns:a16="http://schemas.microsoft.com/office/drawing/2014/main" id="{5D5E1C8A-5EBF-5E1B-EF00-3D0ADEE09DE9}"/>
-              </a:ext>
-            </a:extLst>
-          </p:cNvPr>
-          <p:cNvSpPr txBox="1"/>
-          <p:nvPr/>
-        </p:nvSpPr>
-        <p:spPr>
-          <a:xfrm>
-            <a:off x="95491" y="263968"/>
-            <a:ext cx="6094070" cy="369332"/>
-          </a:xfrm>
-          <a:prstGeom prst="rect">
-            <a:avLst/>
-          </a:prstGeom>
-          <a:noFill/>
-        </p:spPr>
-        <p:txBody>
-          <a:bodyPr wrap="square">
-            <a:spAutoFit/>
-          </a:bodyPr>
-          <a:lstStyle/>
-          <a:p>
-            <a:r>
-              <a:rPr lang="vi-VN" dirty="0"/>
-              <a:t>6. Thống kê</a:t>
-            </a:r>
-          </a:p>
-        </p:txBody>
-      </p:sp>
-    </p:spTree>
-    <p:extLst>
-      <p:ext uri="{BB962C8B-B14F-4D97-AF65-F5344CB8AC3E}">
-        <p14:creationId xmlns:p14="http://schemas.microsoft.com/office/powerpoint/2010/main" val="3006618530"/>
-      </p:ext>
-    </p:extLst>
-  </p:cSld>
-  <p:clrMapOvr>
-    <a:masterClrMapping/>
-  </p:clrMapOvr>
-</p:sld>
-</file>
-
-<file path=ppt/slides/slide7.xml><?xml version="1.0" encoding="utf-8"?>
-<p:sld xmlns:a="http://schemas.openxmlformats.org/drawingml/2006/main" xmlns:r="http://schemas.openxmlformats.org/officeDocument/2006/relationships" xmlns:p="http://schemas.openxmlformats.org/presentationml/2006/main">
-  <p:cSld>
-    <p:spTree>
-      <p:nvGrpSpPr>
-        <p:cNvPr id="1" name="">
-          <a:extLst>
-            <a:ext uri="{FF2B5EF4-FFF2-40B4-BE49-F238E27FC236}">
-              <a16:creationId xmlns:a16="http://schemas.microsoft.com/office/drawing/2014/main" id="{C6362900-B836-CF46-3C52-57AFA891E00E}"/>
-            </a:ext>
-          </a:extLst>
-        </p:cNvPr>
-        <p:cNvGrpSpPr/>
-        <p:nvPr/>
-      </p:nvGrpSpPr>
-      <p:grpSpPr>
-        <a:xfrm>
-          <a:off x="0" y="0"/>
-          <a:ext cx="0" cy="0"/>
-          <a:chOff x="0" y="0"/>
-          <a:chExt cx="0" cy="0"/>
-        </a:xfrm>
-      </p:grpSpPr>
-    </p:spTree>
-    <p:extLst>
-      <p:ext uri="{BB962C8B-B14F-4D97-AF65-F5344CB8AC3E}">
-        <p14:creationId xmlns:p14="http://schemas.microsoft.com/office/powerpoint/2010/main" val="3205454243"/>
       </p:ext>
     </p:extLst>
   </p:cSld>
